--- a/BASTA-2024.pptx
+++ b/BASTA-2024.pptx
@@ -2487,40 +2487,13 @@
               <a:pPr algn="ctr"/>
               <a:t>‹#›</a:t>
             </a:fld>
-            <a:r>
-              <a:rPr lang="en-US" sz="1400" cap="all" spc="100" normalizeH="1" dirty="0">
-                <a:latin typeface="Arial Narrow"/>
-                <a:cs typeface="Arial Narrow"/>
-              </a:rPr>
-              <a:t> </a:t>
-            </a:r>
-            <a:r>
-              <a:rPr lang="en-US" sz="1400" cap="all" spc="100" normalizeH="1" dirty="0">
-                <a:solidFill>
-                  <a:srgbClr val="A2A2A2"/>
-                </a:solidFill>
-                <a:latin typeface="Arial Narrow"/>
-                <a:cs typeface="Arial Narrow"/>
-              </a:rPr>
-              <a:t>of</a:t>
-            </a:r>
-            <a:r>
-              <a:rPr lang="en-US" sz="1400" cap="all" spc="100" normalizeH="1" dirty="0">
-                <a:latin typeface="Arial Narrow"/>
-                <a:cs typeface="Arial Narrow"/>
-              </a:rPr>
-              <a:t> </a:t>
-            </a:r>
-            <a:r>
-              <a:rPr lang="en-US" sz="1400" b="1" i="0" cap="all" spc="100" normalizeH="1" dirty="0">
-                <a:solidFill>
-                  <a:srgbClr val="4B4B4B"/>
-                </a:solidFill>
-                <a:latin typeface="Arial Narrow Bold"/>
-                <a:cs typeface="Arial Narrow Bold"/>
-              </a:rPr>
-              <a:t>18</a:t>
-            </a:r>
+            <a:endParaRPr lang="en-US" sz="1400" b="1" i="0" cap="all" spc="100" normalizeH="1" dirty="0">
+              <a:solidFill>
+                <a:srgbClr val="4B4B4B"/>
+              </a:solidFill>
+              <a:latin typeface="Arial Narrow Bold"/>
+              <a:cs typeface="Arial Narrow Bold"/>
+            </a:endParaRPr>
           </a:p>
         </p:txBody>
       </p:sp>
@@ -3296,40 +3269,13 @@
               <a:pPr algn="ctr"/>
               <a:t>‹#›</a:t>
             </a:fld>
-            <a:r>
-              <a:rPr lang="en-US" sz="1400" cap="all" spc="100" normalizeH="1" dirty="0">
-                <a:latin typeface="Arial Narrow"/>
-                <a:cs typeface="Arial Narrow"/>
-              </a:rPr>
-              <a:t> </a:t>
-            </a:r>
-            <a:r>
-              <a:rPr lang="en-US" sz="1400" cap="all" spc="100" normalizeH="1" dirty="0">
-                <a:solidFill>
-                  <a:srgbClr val="A2A2A2"/>
-                </a:solidFill>
-                <a:latin typeface="Arial Narrow"/>
-                <a:cs typeface="Arial Narrow"/>
-              </a:rPr>
-              <a:t>of</a:t>
-            </a:r>
-            <a:r>
-              <a:rPr lang="en-US" sz="1400" cap="all" spc="100" normalizeH="1" dirty="0">
-                <a:latin typeface="Arial Narrow"/>
-                <a:cs typeface="Arial Narrow"/>
-              </a:rPr>
-              <a:t> </a:t>
-            </a:r>
-            <a:r>
-              <a:rPr lang="en-US" sz="1400" b="1" i="0" cap="all" spc="100" normalizeH="1" dirty="0">
-                <a:solidFill>
-                  <a:srgbClr val="4B4B4B"/>
-                </a:solidFill>
-                <a:latin typeface="Arial Narrow Bold"/>
-                <a:cs typeface="Arial Narrow Bold"/>
-              </a:rPr>
-              <a:t>18</a:t>
-            </a:r>
+            <a:endParaRPr lang="en-US" sz="1400" b="1" i="0" cap="all" spc="100" normalizeH="1" dirty="0">
+              <a:solidFill>
+                <a:srgbClr val="4B4B4B"/>
+              </a:solidFill>
+              <a:latin typeface="Arial Narrow Bold"/>
+              <a:cs typeface="Arial Narrow Bold"/>
+            </a:endParaRPr>
           </a:p>
         </p:txBody>
       </p:sp>
@@ -3694,40 +3640,13 @@
               <a:pPr algn="ctr"/>
               <a:t>‹#›</a:t>
             </a:fld>
-            <a:r>
-              <a:rPr lang="en-US" sz="1400" cap="all" spc="100" normalizeH="1" dirty="0">
-                <a:latin typeface="Arial Narrow"/>
-                <a:cs typeface="Arial Narrow"/>
-              </a:rPr>
-              <a:t> </a:t>
-            </a:r>
-            <a:r>
-              <a:rPr lang="en-US" sz="1400" cap="all" spc="100" normalizeH="1" dirty="0">
-                <a:solidFill>
-                  <a:srgbClr val="A2A2A2"/>
-                </a:solidFill>
-                <a:latin typeface="Arial Narrow"/>
-                <a:cs typeface="Arial Narrow"/>
-              </a:rPr>
-              <a:t>of</a:t>
-            </a:r>
-            <a:r>
-              <a:rPr lang="en-US" sz="1400" cap="all" spc="100" normalizeH="1" dirty="0">
-                <a:latin typeface="Arial Narrow"/>
-                <a:cs typeface="Arial Narrow"/>
-              </a:rPr>
-              <a:t> </a:t>
-            </a:r>
-            <a:r>
-              <a:rPr lang="en-US" sz="1400" b="1" i="0" cap="all" spc="100" normalizeH="1" dirty="0">
-                <a:solidFill>
-                  <a:srgbClr val="4B4B4B"/>
-                </a:solidFill>
-                <a:latin typeface="Arial Narrow Bold"/>
-                <a:cs typeface="Arial Narrow Bold"/>
-              </a:rPr>
-              <a:t>18</a:t>
-            </a:r>
+            <a:endParaRPr lang="en-US" sz="1400" b="1" i="0" cap="all" spc="100" normalizeH="1" dirty="0">
+              <a:solidFill>
+                <a:srgbClr val="4B4B4B"/>
+              </a:solidFill>
+              <a:latin typeface="Arial Narrow Bold"/>
+              <a:cs typeface="Arial Narrow Bold"/>
+            </a:endParaRPr>
           </a:p>
         </p:txBody>
       </p:sp>
@@ -4091,40 +4010,13 @@
               <a:pPr algn="ctr"/>
               <a:t>‹#›</a:t>
             </a:fld>
-            <a:r>
-              <a:rPr lang="en-US" sz="1400" cap="all" spc="100" normalizeH="1" dirty="0">
-                <a:latin typeface="Arial Narrow"/>
-                <a:cs typeface="Arial Narrow"/>
-              </a:rPr>
-              <a:t> </a:t>
-            </a:r>
-            <a:r>
-              <a:rPr lang="en-US" sz="1400" cap="all" spc="100" normalizeH="1" dirty="0">
-                <a:solidFill>
-                  <a:srgbClr val="A2A2A2"/>
-                </a:solidFill>
-                <a:latin typeface="Arial Narrow"/>
-                <a:cs typeface="Arial Narrow"/>
-              </a:rPr>
-              <a:t>of</a:t>
-            </a:r>
-            <a:r>
-              <a:rPr lang="en-US" sz="1400" cap="all" spc="100" normalizeH="1" dirty="0">
-                <a:latin typeface="Arial Narrow"/>
-                <a:cs typeface="Arial Narrow"/>
-              </a:rPr>
-              <a:t> </a:t>
-            </a:r>
-            <a:r>
-              <a:rPr lang="en-US" sz="1400" b="1" i="0" cap="all" spc="100" normalizeH="1" dirty="0">
-                <a:solidFill>
-                  <a:srgbClr val="4B4B4B"/>
-                </a:solidFill>
-                <a:latin typeface="Arial Narrow Bold"/>
-                <a:cs typeface="Arial Narrow Bold"/>
-              </a:rPr>
-              <a:t>18</a:t>
-            </a:r>
+            <a:endParaRPr lang="en-US" sz="1400" b="1" i="0" cap="all" spc="100" normalizeH="1" dirty="0">
+              <a:solidFill>
+                <a:srgbClr val="4B4B4B"/>
+              </a:solidFill>
+              <a:latin typeface="Arial Narrow Bold"/>
+              <a:cs typeface="Arial Narrow Bold"/>
+            </a:endParaRPr>
           </a:p>
         </p:txBody>
       </p:sp>
